--- a/atbmtt.pptx
+++ b/atbmtt.pptx
@@ -118,6 +118,11 @@
       </a:defRPr>
     </a:lvl9pPr>
   </p:defaultTextStyle>
+  <p:extLst>
+    <p:ext uri="{EFAFB233-063F-42B5-8137-9DF3F51BA10A}">
+      <p15:sldGuideLst xmlns:p15="http://schemas.microsoft.com/office/powerpoint/2012/main"/>
+    </p:ext>
+  </p:extLst>
 </p:presentation>
 </file>
 
@@ -3760,11 +3765,11 @@
           <a:p>
             <a:pPr algn="ctr"/>
             <a:r>
-              <a:rPr lang="en-US" sz="2600" dirty="0">
-                <a:latin typeface="Times New Roman" panose="02020603050405020304" pitchFamily="18" charset="0"/>
-                <a:cs typeface="Times New Roman" panose="02020603050405020304" pitchFamily="18" charset="0"/>
-              </a:rPr>
-              <a:t>Nhóm 4: </a:t>
+              <a:rPr lang="en-US" sz="2600">
+                <a:latin typeface="Times New Roman" panose="02020603050405020304" pitchFamily="18" charset="0"/>
+                <a:cs typeface="Times New Roman" panose="02020603050405020304" pitchFamily="18" charset="0"/>
+              </a:rPr>
+              <a:t>Nhóm 2: </a:t>
             </a:r>
             <a:r>
               <a:rPr lang="en-US" sz="2600" dirty="0" err="1">
